--- a/assets/pdf/IUPUI-presentation.pptx
+++ b/assets/pdf/IUPUI-presentation.pptx
@@ -6495,7 +6495,7 @@
           <a:p>
             <a:fld id="{C87859BD-4604-2843-976C-9F2DEE3C79DB}" type="datetimeFigureOut">
               <a:rPr lang="en-US" smtClean="0"/>
-              <a:t>3/7/2023</a:t>
+              <a:t>3/9/2023</a:t>
             </a:fld>
             <a:endParaRPr lang="en-US"/>
           </a:p>
@@ -6660,7 +6660,7 @@
           <a:p>
             <a:fld id="{DE108F45-8DB7-E449-85E4-EC04F96DF3AA}" type="datetimeFigureOut">
               <a:rPr lang="en-US" smtClean="0"/>
-              <a:t>3/7/2023</a:t>
+              <a:t>3/9/2023</a:t>
             </a:fld>
             <a:endParaRPr lang="en-US"/>
           </a:p>
@@ -13710,15 +13710,6 @@
               <a:srgbClr val="C0C0C0"/>
             </a:contourClr>
           </a:sp3d>
-          <a:extLst>
-            <a:ext uri="{909E8E84-426E-40DD-AFC4-6F175D3DCCD1}">
-              <a14:hiddenFill xmlns:a14="http://schemas.microsoft.com/office/drawing/2010/main">
-                <a:solidFill>
-                  <a:srgbClr val="FFFFFF"/>
-                </a:solidFill>
-              </a14:hiddenFill>
-            </a:ext>
-          </a:extLst>
         </p:spPr>
       </p:pic>
       <p:pic>
@@ -14763,15 +14754,6 @@
           <a:solidFill>
             <a:srgbClr val="FFFFFF"/>
           </a:solidFill>
-          <a:extLst>
-            <a:ext uri="{909E8E84-426E-40DD-AFC4-6F175D3DCCD1}">
-              <a14:hiddenFill xmlns:a14="http://schemas.microsoft.com/office/drawing/2010/main">
-                <a:solidFill>
-                  <a:srgbClr val="FFFFFF"/>
-                </a:solidFill>
-              </a14:hiddenFill>
-            </a:ext>
-          </a:extLst>
         </p:spPr>
       </p:pic>
       <p:sp>
@@ -18352,15 +18334,6 @@
               <a:srgbClr val="FFFFFF"/>
             </a:contourClr>
           </a:sp3d>
-          <a:extLst>
-            <a:ext uri="{909E8E84-426E-40DD-AFC4-6F175D3DCCD1}">
-              <a14:hiddenFill xmlns:a14="http://schemas.microsoft.com/office/drawing/2010/main">
-                <a:solidFill>
-                  <a:srgbClr val="FFFFFF"/>
-                </a:solidFill>
-              </a14:hiddenFill>
-            </a:ext>
-          </a:extLst>
         </p:spPr>
       </p:pic>
       <p:sp>
@@ -20362,15 +20335,6 @@
               <a:srgbClr val="C0C0C0"/>
             </a:contourClr>
           </a:sp3d>
-          <a:extLst>
-            <a:ext uri="{909E8E84-426E-40DD-AFC4-6F175D3DCCD1}">
-              <a14:hiddenFill xmlns:a14="http://schemas.microsoft.com/office/drawing/2010/main">
-                <a:solidFill>
-                  <a:srgbClr val="FFFFFF"/>
-                </a:solidFill>
-              </a14:hiddenFill>
-            </a:ext>
-          </a:extLst>
         </p:spPr>
       </p:pic>
       <p:sp>
@@ -22454,6 +22418,15 @@
 </file>
 
 <file path=customXml/item1.xml><?xml version="1.0" encoding="utf-8"?>
+<?mso-contentType ?>
+<FormTemplates xmlns="http://schemas.microsoft.com/sharepoint/v3/contenttype/forms">
+  <Display>DocumentLibraryForm</Display>
+  <Edit>DocumentLibraryForm</Edit>
+  <New>DocumentLibraryForm</New>
+</FormTemplates>
+</file>
+
+<file path=customXml/item2.xml><?xml version="1.0" encoding="utf-8"?>
 <ct:contentTypeSchema xmlns:ct="http://schemas.microsoft.com/office/2006/metadata/contentType" xmlns:ma="http://schemas.microsoft.com/office/2006/metadata/properties/metaAttributes" ct:_="" ma:_="" ma:contentTypeName="Document" ma:contentTypeID="0x0101000DE64AEEDD9B7A4D93545ACBE97D4615" ma:contentTypeVersion="2" ma:contentTypeDescription="Create a new document." ma:contentTypeScope="" ma:versionID="f49002b78e3a4a71b814eef46a983816">
   <xsd:schema xmlns:xsd="http://www.w3.org/2001/XMLSchema" xmlns:xs="http://www.w3.org/2001/XMLSchema" xmlns:p="http://schemas.microsoft.com/office/2006/metadata/properties" xmlns:ns2="http://schemas.microsoft.com/sharepoint/v3/fields" targetNamespace="http://schemas.microsoft.com/office/2006/metadata/properties" ma:root="true" ma:fieldsID="38f6db2dd0d9a0cf6a8dc37be32b365b" ns2:_="">
     <xsd:import namespace="http://schemas.microsoft.com/sharepoint/v3/fields"/>
@@ -22597,15 +22570,6 @@
 </ct:contentTypeSchema>
 </file>
 
-<file path=customXml/item2.xml><?xml version="1.0" encoding="utf-8"?>
-<?mso-contentType ?>
-<FormTemplates xmlns="http://schemas.microsoft.com/sharepoint/v3/contenttype/forms">
-  <Display>DocumentLibraryForm</Display>
-  <Edit>DocumentLibraryForm</Edit>
-  <New>DocumentLibraryForm</New>
-</FormTemplates>
-</file>
-
 <file path=customXml/item3.xml><?xml version="1.0" encoding="utf-8"?>
 <p:properties xmlns:p="http://schemas.microsoft.com/office/2006/metadata/properties" xmlns:xsi="http://www.w3.org/2001/XMLSchema-instance" xmlns:pc="http://schemas.microsoft.com/office/infopath/2007/PartnerControls">
   <documentManagement>
@@ -22616,6 +22580,14 @@
 </file>
 
 <file path=customXml/itemProps1.xml><?xml version="1.0" encoding="utf-8"?>
+<ds:datastoreItem xmlns:ds="http://schemas.openxmlformats.org/officeDocument/2006/customXml" ds:itemID="{87D2A1B0-FF3E-4009-940D-AED0EB70AA20}">
+  <ds:schemaRefs>
+    <ds:schemaRef ds:uri="http://schemas.microsoft.com/sharepoint/v3/contenttype/forms"/>
+  </ds:schemaRefs>
+</ds:datastoreItem>
+</file>
+
+<file path=customXml/itemProps2.xml><?xml version="1.0" encoding="utf-8"?>
 <ds:datastoreItem xmlns:ds="http://schemas.openxmlformats.org/officeDocument/2006/customXml" ds:itemID="{E4214858-785C-42F7-BE66-6D0E79395FC8}">
   <ds:schemaRefs>
     <ds:schemaRef ds:uri="http://schemas.microsoft.com/office/2006/metadata/contentType"/>
@@ -22633,25 +22605,17 @@
 </ds:datastoreItem>
 </file>
 
-<file path=customXml/itemProps2.xml><?xml version="1.0" encoding="utf-8"?>
-<ds:datastoreItem xmlns:ds="http://schemas.openxmlformats.org/officeDocument/2006/customXml" ds:itemID="{87D2A1B0-FF3E-4009-940D-AED0EB70AA20}">
-  <ds:schemaRefs>
-    <ds:schemaRef ds:uri="http://schemas.microsoft.com/sharepoint/v3/contenttype/forms"/>
-  </ds:schemaRefs>
-</ds:datastoreItem>
-</file>
-
 <file path=customXml/itemProps3.xml><?xml version="1.0" encoding="utf-8"?>
 <ds:datastoreItem xmlns:ds="http://schemas.openxmlformats.org/officeDocument/2006/customXml" ds:itemID="{7B6F2769-7194-4217-93D3-3AF3A4742282}">
   <ds:schemaRefs>
+    <ds:schemaRef ds:uri="http://schemas.microsoft.com/office/infopath/2007/PartnerControls"/>
+    <ds:schemaRef ds:uri="http://schemas.openxmlformats.org/package/2006/metadata/core-properties"/>
+    <ds:schemaRef ds:uri="http://schemas.microsoft.com/sharepoint/v3/fields"/>
+    <ds:schemaRef ds:uri="http://schemas.microsoft.com/office/2006/metadata/properties"/>
+    <ds:schemaRef ds:uri="http://www.w3.org/XML/1998/namespace"/>
+    <ds:schemaRef ds:uri="http://schemas.microsoft.com/office/2006/documentManagement/types"/>
     <ds:schemaRef ds:uri="http://purl.org/dc/elements/1.1/"/>
-    <ds:schemaRef ds:uri="http://schemas.microsoft.com/office/2006/metadata/properties"/>
-    <ds:schemaRef ds:uri="http://schemas.microsoft.com/sharepoint/v3/fields"/>
-    <ds:schemaRef ds:uri="http://www.w3.org/XML/1998/namespace"/>
-    <ds:schemaRef ds:uri="http://schemas.microsoft.com/office/infopath/2007/PartnerControls"/>
     <ds:schemaRef ds:uri="http://purl.org/dc/terms/"/>
-    <ds:schemaRef ds:uri="http://schemas.microsoft.com/office/2006/documentManagement/types"/>
-    <ds:schemaRef ds:uri="http://schemas.openxmlformats.org/package/2006/metadata/core-properties"/>
     <ds:schemaRef ds:uri="http://purl.org/dc/dcmitype/"/>
   </ds:schemaRefs>
 </ds:datastoreItem>
